--- a/Lecture Notes-Slides/Lecture 8.pptx
+++ b/Lecture Notes-Slides/Lecture 8.pptx
@@ -4,6 +4,9 @@
   <p:sldMasterIdLst>
     <p:sldMasterId id="2147483660" r:id="rId1"/>
   </p:sldMasterIdLst>
+  <p:notesMasterIdLst>
+    <p:notesMasterId r:id="rId15"/>
+  </p:notesMasterIdLst>
   <p:sldIdLst>
     <p:sldId id="256" r:id="rId2"/>
     <p:sldId id="260" r:id="rId3"/>
@@ -119,6 +122,1010 @@
 </p:presentation>
 </file>
 
+<file path=ppt/notesMasters/notesMaster1.xml><?xml version="1.0" encoding="utf-8"?>
+<p:notesMaster xmlns:a="http://schemas.openxmlformats.org/drawingml/2006/main" xmlns:r="http://schemas.openxmlformats.org/officeDocument/2006/relationships" xmlns:p="http://schemas.openxmlformats.org/presentationml/2006/main">
+  <p:cSld>
+    <p:bg>
+      <p:bgRef idx="1001">
+        <a:schemeClr val="bg1"/>
+      </p:bgRef>
+    </p:bg>
+    <p:spTree>
+      <p:nvGrpSpPr>
+        <p:cNvPr id="1" name=""/>
+        <p:cNvGrpSpPr/>
+        <p:nvPr/>
+      </p:nvGrpSpPr>
+      <p:grpSpPr>
+        <a:xfrm>
+          <a:off x="0" y="0"/>
+          <a:ext cx="0" cy="0"/>
+          <a:chOff x="0" y="0"/>
+          <a:chExt cx="0" cy="0"/>
+        </a:xfrm>
+      </p:grpSpPr>
+      <p:sp>
+        <p:nvSpPr>
+          <p:cNvPr id="2" name="Header Placeholder 1"/>
+          <p:cNvSpPr>
+            <a:spLocks noGrp="1"/>
+          </p:cNvSpPr>
+          <p:nvPr>
+            <p:ph type="hdr" sz="quarter"/>
+          </p:nvPr>
+        </p:nvSpPr>
+        <p:spPr>
+          <a:xfrm>
+            <a:off x="0" y="0"/>
+            <a:ext cx="2971800" cy="457200"/>
+          </a:xfrm>
+          <a:prstGeom prst="rect">
+            <a:avLst/>
+          </a:prstGeom>
+        </p:spPr>
+        <p:txBody>
+          <a:bodyPr vert="horz" lIns="91440" tIns="45720" rIns="91440" bIns="45720" rtlCol="0"/>
+          <a:lstStyle>
+            <a:lvl1pPr algn="l">
+              <a:defRPr sz="1200"/>
+            </a:lvl1pPr>
+          </a:lstStyle>
+          <a:p>
+            <a:endParaRPr lang="en-US"/>
+          </a:p>
+        </p:txBody>
+      </p:sp>
+      <p:sp>
+        <p:nvSpPr>
+          <p:cNvPr id="3" name="Date Placeholder 2"/>
+          <p:cNvSpPr>
+            <a:spLocks noGrp="1"/>
+          </p:cNvSpPr>
+          <p:nvPr>
+            <p:ph type="dt" idx="1"/>
+          </p:nvPr>
+        </p:nvSpPr>
+        <p:spPr>
+          <a:xfrm>
+            <a:off x="3884613" y="0"/>
+            <a:ext cx="2971800" cy="457200"/>
+          </a:xfrm>
+          <a:prstGeom prst="rect">
+            <a:avLst/>
+          </a:prstGeom>
+        </p:spPr>
+        <p:txBody>
+          <a:bodyPr vert="horz" lIns="91440" tIns="45720" rIns="91440" bIns="45720" rtlCol="0"/>
+          <a:lstStyle>
+            <a:lvl1pPr algn="r">
+              <a:defRPr sz="1200"/>
+            </a:lvl1pPr>
+          </a:lstStyle>
+          <a:p>
+            <a:fld id="{6AD914F8-0908-E94B-A276-650BF038CD98}" type="datetimeFigureOut">
+              <a:rPr lang="en-US" smtClean="0"/>
+              <a:t>2/24/16</a:t>
+            </a:fld>
+            <a:endParaRPr lang="en-US"/>
+          </a:p>
+        </p:txBody>
+      </p:sp>
+      <p:sp>
+        <p:nvSpPr>
+          <p:cNvPr id="4" name="Slide Image Placeholder 3"/>
+          <p:cNvSpPr>
+            <a:spLocks noGrp="1" noRot="1" noChangeAspect="1"/>
+          </p:cNvSpPr>
+          <p:nvPr>
+            <p:ph type="sldImg" idx="2"/>
+          </p:nvPr>
+        </p:nvSpPr>
+        <p:spPr>
+          <a:xfrm>
+            <a:off x="1143000" y="685800"/>
+            <a:ext cx="4572000" cy="3429000"/>
+          </a:xfrm>
+          <a:prstGeom prst="rect">
+            <a:avLst/>
+          </a:prstGeom>
+          <a:noFill/>
+          <a:ln w="12700">
+            <a:solidFill>
+              <a:prstClr val="black"/>
+            </a:solidFill>
+          </a:ln>
+        </p:spPr>
+        <p:txBody>
+          <a:bodyPr vert="horz" lIns="91440" tIns="45720" rIns="91440" bIns="45720" rtlCol="0" anchor="ctr"/>
+          <a:lstStyle/>
+          <a:p>
+            <a:endParaRPr lang="en-US"/>
+          </a:p>
+        </p:txBody>
+      </p:sp>
+      <p:sp>
+        <p:nvSpPr>
+          <p:cNvPr id="5" name="Notes Placeholder 4"/>
+          <p:cNvSpPr>
+            <a:spLocks noGrp="1"/>
+          </p:cNvSpPr>
+          <p:nvPr>
+            <p:ph type="body" sz="quarter" idx="3"/>
+          </p:nvPr>
+        </p:nvSpPr>
+        <p:spPr>
+          <a:xfrm>
+            <a:off x="685800" y="4343400"/>
+            <a:ext cx="5486400" cy="4114800"/>
+          </a:xfrm>
+          <a:prstGeom prst="rect">
+            <a:avLst/>
+          </a:prstGeom>
+        </p:spPr>
+        <p:txBody>
+          <a:bodyPr vert="horz" lIns="91440" tIns="45720" rIns="91440" bIns="45720" rtlCol="0"/>
+          <a:lstStyle/>
+          <a:p>
+            <a:pPr lvl="0"/>
+            <a:r>
+              <a:rPr lang="en-US" smtClean="0"/>
+              <a:t>Click to edit Master text styles</a:t>
+            </a:r>
+          </a:p>
+          <a:p>
+            <a:pPr lvl="1"/>
+            <a:r>
+              <a:rPr lang="en-US" smtClean="0"/>
+              <a:t>Second level</a:t>
+            </a:r>
+          </a:p>
+          <a:p>
+            <a:pPr lvl="2"/>
+            <a:r>
+              <a:rPr lang="en-US" smtClean="0"/>
+              <a:t>Third level</a:t>
+            </a:r>
+          </a:p>
+          <a:p>
+            <a:pPr lvl="3"/>
+            <a:r>
+              <a:rPr lang="en-US" smtClean="0"/>
+              <a:t>Fourth level</a:t>
+            </a:r>
+          </a:p>
+          <a:p>
+            <a:pPr lvl="4"/>
+            <a:r>
+              <a:rPr lang="en-US" smtClean="0"/>
+              <a:t>Fifth level</a:t>
+            </a:r>
+            <a:endParaRPr lang="en-US"/>
+          </a:p>
+        </p:txBody>
+      </p:sp>
+      <p:sp>
+        <p:nvSpPr>
+          <p:cNvPr id="6" name="Footer Placeholder 5"/>
+          <p:cNvSpPr>
+            <a:spLocks noGrp="1"/>
+          </p:cNvSpPr>
+          <p:nvPr>
+            <p:ph type="ftr" sz="quarter" idx="4"/>
+          </p:nvPr>
+        </p:nvSpPr>
+        <p:spPr>
+          <a:xfrm>
+            <a:off x="0" y="8685213"/>
+            <a:ext cx="2971800" cy="457200"/>
+          </a:xfrm>
+          <a:prstGeom prst="rect">
+            <a:avLst/>
+          </a:prstGeom>
+        </p:spPr>
+        <p:txBody>
+          <a:bodyPr vert="horz" lIns="91440" tIns="45720" rIns="91440" bIns="45720" rtlCol="0" anchor="b"/>
+          <a:lstStyle>
+            <a:lvl1pPr algn="l">
+              <a:defRPr sz="1200"/>
+            </a:lvl1pPr>
+          </a:lstStyle>
+          <a:p>
+            <a:endParaRPr lang="en-US"/>
+          </a:p>
+        </p:txBody>
+      </p:sp>
+      <p:sp>
+        <p:nvSpPr>
+          <p:cNvPr id="7" name="Slide Number Placeholder 6"/>
+          <p:cNvSpPr>
+            <a:spLocks noGrp="1"/>
+          </p:cNvSpPr>
+          <p:nvPr>
+            <p:ph type="sldNum" sz="quarter" idx="5"/>
+          </p:nvPr>
+        </p:nvSpPr>
+        <p:spPr>
+          <a:xfrm>
+            <a:off x="3884613" y="8685213"/>
+            <a:ext cx="2971800" cy="457200"/>
+          </a:xfrm>
+          <a:prstGeom prst="rect">
+            <a:avLst/>
+          </a:prstGeom>
+        </p:spPr>
+        <p:txBody>
+          <a:bodyPr vert="horz" lIns="91440" tIns="45720" rIns="91440" bIns="45720" rtlCol="0" anchor="b"/>
+          <a:lstStyle>
+            <a:lvl1pPr algn="r">
+              <a:defRPr sz="1200"/>
+            </a:lvl1pPr>
+          </a:lstStyle>
+          <a:p>
+            <a:fld id="{89C27CB0-16DD-FA42-AE41-4B851B1D36E8}" type="slidenum">
+              <a:rPr lang="en-US" smtClean="0"/>
+              <a:t>‹#›</a:t>
+            </a:fld>
+            <a:endParaRPr lang="en-US"/>
+          </a:p>
+        </p:txBody>
+      </p:sp>
+    </p:spTree>
+    <p:extLst>
+      <p:ext uri="{BB962C8B-B14F-4D97-AF65-F5344CB8AC3E}">
+        <p14:creationId xmlns:p14="http://schemas.microsoft.com/office/powerpoint/2010/main" val="1344906859"/>
+      </p:ext>
+    </p:extLst>
+  </p:cSld>
+  <p:clrMap bg1="lt1" tx1="dk1" bg2="lt2" tx2="dk2" accent1="accent1" accent2="accent2" accent3="accent3" accent4="accent4" accent5="accent5" accent6="accent6" hlink="hlink" folHlink="folHlink"/>
+  <p:notesStyle>
+    <a:lvl1pPr marL="0" algn="l" defTabSz="457200" rtl="0" eaLnBrk="1" latinLnBrk="0" hangingPunct="1">
+      <a:defRPr sz="1200" kern="1200">
+        <a:solidFill>
+          <a:schemeClr val="tx1"/>
+        </a:solidFill>
+        <a:latin typeface="+mn-lt"/>
+        <a:ea typeface="+mn-ea"/>
+        <a:cs typeface="+mn-cs"/>
+      </a:defRPr>
+    </a:lvl1pPr>
+    <a:lvl2pPr marL="457200" algn="l" defTabSz="457200" rtl="0" eaLnBrk="1" latinLnBrk="0" hangingPunct="1">
+      <a:defRPr sz="1200" kern="1200">
+        <a:solidFill>
+          <a:schemeClr val="tx1"/>
+        </a:solidFill>
+        <a:latin typeface="+mn-lt"/>
+        <a:ea typeface="+mn-ea"/>
+        <a:cs typeface="+mn-cs"/>
+      </a:defRPr>
+    </a:lvl2pPr>
+    <a:lvl3pPr marL="914400" algn="l" defTabSz="457200" rtl="0" eaLnBrk="1" latinLnBrk="0" hangingPunct="1">
+      <a:defRPr sz="1200" kern="1200">
+        <a:solidFill>
+          <a:schemeClr val="tx1"/>
+        </a:solidFill>
+        <a:latin typeface="+mn-lt"/>
+        <a:ea typeface="+mn-ea"/>
+        <a:cs typeface="+mn-cs"/>
+      </a:defRPr>
+    </a:lvl3pPr>
+    <a:lvl4pPr marL="1371600" algn="l" defTabSz="457200" rtl="0" eaLnBrk="1" latinLnBrk="0" hangingPunct="1">
+      <a:defRPr sz="1200" kern="1200">
+        <a:solidFill>
+          <a:schemeClr val="tx1"/>
+        </a:solidFill>
+        <a:latin typeface="+mn-lt"/>
+        <a:ea typeface="+mn-ea"/>
+        <a:cs typeface="+mn-cs"/>
+      </a:defRPr>
+    </a:lvl4pPr>
+    <a:lvl5pPr marL="1828800" algn="l" defTabSz="457200" rtl="0" eaLnBrk="1" latinLnBrk="0" hangingPunct="1">
+      <a:defRPr sz="1200" kern="1200">
+        <a:solidFill>
+          <a:schemeClr val="tx1"/>
+        </a:solidFill>
+        <a:latin typeface="+mn-lt"/>
+        <a:ea typeface="+mn-ea"/>
+        <a:cs typeface="+mn-cs"/>
+      </a:defRPr>
+    </a:lvl5pPr>
+    <a:lvl6pPr marL="2286000" algn="l" defTabSz="457200" rtl="0" eaLnBrk="1" latinLnBrk="0" hangingPunct="1">
+      <a:defRPr sz="1200" kern="1200">
+        <a:solidFill>
+          <a:schemeClr val="tx1"/>
+        </a:solidFill>
+        <a:latin typeface="+mn-lt"/>
+        <a:ea typeface="+mn-ea"/>
+        <a:cs typeface="+mn-cs"/>
+      </a:defRPr>
+    </a:lvl6pPr>
+    <a:lvl7pPr marL="2743200" algn="l" defTabSz="457200" rtl="0" eaLnBrk="1" latinLnBrk="0" hangingPunct="1">
+      <a:defRPr sz="1200" kern="1200">
+        <a:solidFill>
+          <a:schemeClr val="tx1"/>
+        </a:solidFill>
+        <a:latin typeface="+mn-lt"/>
+        <a:ea typeface="+mn-ea"/>
+        <a:cs typeface="+mn-cs"/>
+      </a:defRPr>
+    </a:lvl7pPr>
+    <a:lvl8pPr marL="3200400" algn="l" defTabSz="457200" rtl="0" eaLnBrk="1" latinLnBrk="0" hangingPunct="1">
+      <a:defRPr sz="1200" kern="1200">
+        <a:solidFill>
+          <a:schemeClr val="tx1"/>
+        </a:solidFill>
+        <a:latin typeface="+mn-lt"/>
+        <a:ea typeface="+mn-ea"/>
+        <a:cs typeface="+mn-cs"/>
+      </a:defRPr>
+    </a:lvl8pPr>
+    <a:lvl9pPr marL="3657600" algn="l" defTabSz="457200" rtl="0" eaLnBrk="1" latinLnBrk="0" hangingPunct="1">
+      <a:defRPr sz="1200" kern="1200">
+        <a:solidFill>
+          <a:schemeClr val="tx1"/>
+        </a:solidFill>
+        <a:latin typeface="+mn-lt"/>
+        <a:ea typeface="+mn-ea"/>
+        <a:cs typeface="+mn-cs"/>
+      </a:defRPr>
+    </a:lvl9pPr>
+  </p:notesStyle>
+</p:notesMaster>
+</file>
+
+<file path=ppt/notesSlides/notesSlide1.xml><?xml version="1.0" encoding="utf-8"?>
+<p:notes xmlns:a="http://schemas.openxmlformats.org/drawingml/2006/main" xmlns:r="http://schemas.openxmlformats.org/officeDocument/2006/relationships" xmlns:p="http://schemas.openxmlformats.org/presentationml/2006/main">
+  <p:cSld>
+    <p:spTree>
+      <p:nvGrpSpPr>
+        <p:cNvPr id="1" name=""/>
+        <p:cNvGrpSpPr/>
+        <p:nvPr/>
+      </p:nvGrpSpPr>
+      <p:grpSpPr>
+        <a:xfrm>
+          <a:off x="0" y="0"/>
+          <a:ext cx="0" cy="0"/>
+          <a:chOff x="0" y="0"/>
+          <a:chExt cx="0" cy="0"/>
+        </a:xfrm>
+      </p:grpSpPr>
+      <p:sp>
+        <p:nvSpPr>
+          <p:cNvPr id="2" name="Slide Image Placeholder 1"/>
+          <p:cNvSpPr>
+            <a:spLocks noGrp="1" noRot="1" noChangeAspect="1"/>
+          </p:cNvSpPr>
+          <p:nvPr>
+            <p:ph type="sldImg"/>
+          </p:nvPr>
+        </p:nvSpPr>
+        <p:spPr/>
+      </p:sp>
+      <p:sp>
+        <p:nvSpPr>
+          <p:cNvPr id="3" name="Notes Placeholder 2"/>
+          <p:cNvSpPr>
+            <a:spLocks noGrp="1"/>
+          </p:cNvSpPr>
+          <p:nvPr>
+            <p:ph type="body" idx="1"/>
+          </p:nvPr>
+        </p:nvSpPr>
+        <p:spPr/>
+        <p:txBody>
+          <a:bodyPr/>
+          <a:lstStyle/>
+          <a:p>
+            <a:endParaRPr lang="en-US"/>
+          </a:p>
+        </p:txBody>
+      </p:sp>
+      <p:sp>
+        <p:nvSpPr>
+          <p:cNvPr id="4" name="Slide Number Placeholder 3"/>
+          <p:cNvSpPr>
+            <a:spLocks noGrp="1"/>
+          </p:cNvSpPr>
+          <p:nvPr>
+            <p:ph type="sldNum" sz="quarter" idx="10"/>
+          </p:nvPr>
+        </p:nvSpPr>
+        <p:spPr/>
+        <p:txBody>
+          <a:bodyPr/>
+          <a:lstStyle/>
+          <a:p>
+            <a:fld id="{89C27CB0-16DD-FA42-AE41-4B851B1D36E8}" type="slidenum">
+              <a:rPr lang="en-US" smtClean="0"/>
+              <a:t>3</a:t>
+            </a:fld>
+            <a:endParaRPr lang="en-US"/>
+          </a:p>
+        </p:txBody>
+      </p:sp>
+    </p:spTree>
+    <p:extLst>
+      <p:ext uri="{BB962C8B-B14F-4D97-AF65-F5344CB8AC3E}">
+        <p14:creationId xmlns:p14="http://schemas.microsoft.com/office/powerpoint/2010/main" val="43138590"/>
+      </p:ext>
+    </p:extLst>
+  </p:cSld>
+  <p:clrMapOvr>
+    <a:masterClrMapping/>
+  </p:clrMapOvr>
+</p:notes>
+</file>
+
+<file path=ppt/notesSlides/notesSlide2.xml><?xml version="1.0" encoding="utf-8"?>
+<p:notes xmlns:a="http://schemas.openxmlformats.org/drawingml/2006/main" xmlns:r="http://schemas.openxmlformats.org/officeDocument/2006/relationships" xmlns:p="http://schemas.openxmlformats.org/presentationml/2006/main">
+  <p:cSld>
+    <p:spTree>
+      <p:nvGrpSpPr>
+        <p:cNvPr id="1" name=""/>
+        <p:cNvGrpSpPr/>
+        <p:nvPr/>
+      </p:nvGrpSpPr>
+      <p:grpSpPr>
+        <a:xfrm>
+          <a:off x="0" y="0"/>
+          <a:ext cx="0" cy="0"/>
+          <a:chOff x="0" y="0"/>
+          <a:chExt cx="0" cy="0"/>
+        </a:xfrm>
+      </p:grpSpPr>
+      <p:sp>
+        <p:nvSpPr>
+          <p:cNvPr id="2" name="Slide Image Placeholder 1"/>
+          <p:cNvSpPr>
+            <a:spLocks noGrp="1" noRot="1" noChangeAspect="1"/>
+          </p:cNvSpPr>
+          <p:nvPr>
+            <p:ph type="sldImg"/>
+          </p:nvPr>
+        </p:nvSpPr>
+        <p:spPr/>
+      </p:sp>
+      <p:sp>
+        <p:nvSpPr>
+          <p:cNvPr id="3" name="Notes Placeholder 2"/>
+          <p:cNvSpPr>
+            <a:spLocks noGrp="1"/>
+          </p:cNvSpPr>
+          <p:nvPr>
+            <p:ph type="body" idx="1"/>
+          </p:nvPr>
+        </p:nvSpPr>
+        <p:spPr/>
+        <p:txBody>
+          <a:bodyPr/>
+          <a:lstStyle/>
+          <a:p>
+            <a:r>
+              <a:rPr lang="en-US" dirty="0" smtClean="0"/>
+              <a:t>I</a:t>
+            </a:r>
+            <a:r>
+              <a:rPr lang="en-US" baseline="0" dirty="0" smtClean="0"/>
+              <a:t> gives you zeros and 1, 1 if the test fails 0 if success : 1 if y&lt;&gt;predicted value</a:t>
+            </a:r>
+          </a:p>
+          <a:p>
+            <a:r>
+              <a:rPr lang="en-US" baseline="0" dirty="0" smtClean="0"/>
+              <a:t>How many times you misclassify</a:t>
+            </a:r>
+            <a:endParaRPr lang="en-US" dirty="0"/>
+          </a:p>
+        </p:txBody>
+      </p:sp>
+      <p:sp>
+        <p:nvSpPr>
+          <p:cNvPr id="4" name="Slide Number Placeholder 3"/>
+          <p:cNvSpPr>
+            <a:spLocks noGrp="1"/>
+          </p:cNvSpPr>
+          <p:nvPr>
+            <p:ph type="sldNum" sz="quarter" idx="10"/>
+          </p:nvPr>
+        </p:nvSpPr>
+        <p:spPr/>
+        <p:txBody>
+          <a:bodyPr/>
+          <a:lstStyle/>
+          <a:p>
+            <a:fld id="{89C27CB0-16DD-FA42-AE41-4B851B1D36E8}" type="slidenum">
+              <a:rPr lang="en-US" smtClean="0"/>
+              <a:t>4</a:t>
+            </a:fld>
+            <a:endParaRPr lang="en-US"/>
+          </a:p>
+        </p:txBody>
+      </p:sp>
+    </p:spTree>
+    <p:extLst>
+      <p:ext uri="{BB962C8B-B14F-4D97-AF65-F5344CB8AC3E}">
+        <p14:creationId xmlns:p14="http://schemas.microsoft.com/office/powerpoint/2010/main" val="482361205"/>
+      </p:ext>
+    </p:extLst>
+  </p:cSld>
+  <p:clrMapOvr>
+    <a:masterClrMapping/>
+  </p:clrMapOvr>
+</p:notes>
+</file>
+
+<file path=ppt/notesSlides/notesSlide3.xml><?xml version="1.0" encoding="utf-8"?>
+<p:notes xmlns:a="http://schemas.openxmlformats.org/drawingml/2006/main" xmlns:r="http://schemas.openxmlformats.org/officeDocument/2006/relationships" xmlns:p="http://schemas.openxmlformats.org/presentationml/2006/main">
+  <p:cSld>
+    <p:spTree>
+      <p:nvGrpSpPr>
+        <p:cNvPr id="1" name=""/>
+        <p:cNvGrpSpPr/>
+        <p:nvPr/>
+      </p:nvGrpSpPr>
+      <p:grpSpPr>
+        <a:xfrm>
+          <a:off x="0" y="0"/>
+          <a:ext cx="0" cy="0"/>
+          <a:chOff x="0" y="0"/>
+          <a:chExt cx="0" cy="0"/>
+        </a:xfrm>
+      </p:grpSpPr>
+      <p:sp>
+        <p:nvSpPr>
+          <p:cNvPr id="2" name="Slide Image Placeholder 1"/>
+          <p:cNvSpPr>
+            <a:spLocks noGrp="1" noRot="1" noChangeAspect="1"/>
+          </p:cNvSpPr>
+          <p:nvPr>
+            <p:ph type="sldImg"/>
+          </p:nvPr>
+        </p:nvSpPr>
+        <p:spPr/>
+      </p:sp>
+      <p:sp>
+        <p:nvSpPr>
+          <p:cNvPr id="3" name="Notes Placeholder 2"/>
+          <p:cNvSpPr>
+            <a:spLocks noGrp="1"/>
+          </p:cNvSpPr>
+          <p:nvPr>
+            <p:ph type="body" idx="1"/>
+          </p:nvPr>
+        </p:nvSpPr>
+        <p:spPr/>
+        <p:txBody>
+          <a:bodyPr/>
+          <a:lstStyle/>
+          <a:p>
+            <a:r>
+              <a:rPr lang="en-US" dirty="0" smtClean="0"/>
+              <a:t>When K is large the flexibility goes down.  When</a:t>
+            </a:r>
+            <a:r>
+              <a:rPr lang="en-US" baseline="0" dirty="0" smtClean="0"/>
+              <a:t> K is 1 definitely </a:t>
+            </a:r>
+            <a:r>
+              <a:rPr lang="en-US" baseline="0" dirty="0" err="1" smtClean="0"/>
+              <a:t>overfit</a:t>
+            </a:r>
+            <a:r>
+              <a:rPr lang="en-US" baseline="0" dirty="0" smtClean="0"/>
+              <a:t> and K big can be </a:t>
+            </a:r>
+            <a:r>
+              <a:rPr lang="en-US" baseline="0" dirty="0" err="1" smtClean="0"/>
+              <a:t>underfit</a:t>
+            </a:r>
+            <a:endParaRPr lang="en-US" dirty="0"/>
+          </a:p>
+        </p:txBody>
+      </p:sp>
+      <p:sp>
+        <p:nvSpPr>
+          <p:cNvPr id="4" name="Slide Number Placeholder 3"/>
+          <p:cNvSpPr>
+            <a:spLocks noGrp="1"/>
+          </p:cNvSpPr>
+          <p:nvPr>
+            <p:ph type="sldNum" sz="quarter" idx="10"/>
+          </p:nvPr>
+        </p:nvSpPr>
+        <p:spPr/>
+        <p:txBody>
+          <a:bodyPr/>
+          <a:lstStyle/>
+          <a:p>
+            <a:fld id="{89C27CB0-16DD-FA42-AE41-4B851B1D36E8}" type="slidenum">
+              <a:rPr lang="en-US" smtClean="0"/>
+              <a:t>5</a:t>
+            </a:fld>
+            <a:endParaRPr lang="en-US"/>
+          </a:p>
+        </p:txBody>
+      </p:sp>
+    </p:spTree>
+    <p:extLst>
+      <p:ext uri="{BB962C8B-B14F-4D97-AF65-F5344CB8AC3E}">
+        <p14:creationId xmlns:p14="http://schemas.microsoft.com/office/powerpoint/2010/main" val="3501813353"/>
+      </p:ext>
+    </p:extLst>
+  </p:cSld>
+  <p:clrMapOvr>
+    <a:masterClrMapping/>
+  </p:clrMapOvr>
+</p:notes>
+</file>
+
+<file path=ppt/notesSlides/notesSlide4.xml><?xml version="1.0" encoding="utf-8"?>
+<p:notes xmlns:a="http://schemas.openxmlformats.org/drawingml/2006/main" xmlns:r="http://schemas.openxmlformats.org/officeDocument/2006/relationships" xmlns:p="http://schemas.openxmlformats.org/presentationml/2006/main">
+  <p:cSld>
+    <p:spTree>
+      <p:nvGrpSpPr>
+        <p:cNvPr id="1" name=""/>
+        <p:cNvGrpSpPr/>
+        <p:nvPr/>
+      </p:nvGrpSpPr>
+      <p:grpSpPr>
+        <a:xfrm>
+          <a:off x="0" y="0"/>
+          <a:ext cx="0" cy="0"/>
+          <a:chOff x="0" y="0"/>
+          <a:chExt cx="0" cy="0"/>
+        </a:xfrm>
+      </p:grpSpPr>
+      <p:sp>
+        <p:nvSpPr>
+          <p:cNvPr id="2" name="Slide Image Placeholder 1"/>
+          <p:cNvSpPr>
+            <a:spLocks noGrp="1" noRot="1" noChangeAspect="1"/>
+          </p:cNvSpPr>
+          <p:nvPr>
+            <p:ph type="sldImg"/>
+          </p:nvPr>
+        </p:nvSpPr>
+        <p:spPr/>
+      </p:sp>
+      <p:sp>
+        <p:nvSpPr>
+          <p:cNvPr id="3" name="Notes Placeholder 2"/>
+          <p:cNvSpPr>
+            <a:spLocks noGrp="1"/>
+          </p:cNvSpPr>
+          <p:nvPr>
+            <p:ph type="body" idx="1"/>
+          </p:nvPr>
+        </p:nvSpPr>
+        <p:spPr/>
+        <p:txBody>
+          <a:bodyPr/>
+          <a:lstStyle/>
+          <a:p>
+            <a:r>
+              <a:rPr lang="en-US" dirty="0" smtClean="0"/>
+              <a:t>Use cross validation</a:t>
+            </a:r>
+            <a:endParaRPr lang="en-US" dirty="0"/>
+          </a:p>
+        </p:txBody>
+      </p:sp>
+      <p:sp>
+        <p:nvSpPr>
+          <p:cNvPr id="4" name="Slide Number Placeholder 3"/>
+          <p:cNvSpPr>
+            <a:spLocks noGrp="1"/>
+          </p:cNvSpPr>
+          <p:nvPr>
+            <p:ph type="sldNum" sz="quarter" idx="10"/>
+          </p:nvPr>
+        </p:nvSpPr>
+        <p:spPr/>
+        <p:txBody>
+          <a:bodyPr/>
+          <a:lstStyle/>
+          <a:p>
+            <a:fld id="{89C27CB0-16DD-FA42-AE41-4B851B1D36E8}" type="slidenum">
+              <a:rPr lang="en-US" smtClean="0"/>
+              <a:t>7</a:t>
+            </a:fld>
+            <a:endParaRPr lang="en-US"/>
+          </a:p>
+        </p:txBody>
+      </p:sp>
+    </p:spTree>
+    <p:extLst>
+      <p:ext uri="{BB962C8B-B14F-4D97-AF65-F5344CB8AC3E}">
+        <p14:creationId xmlns:p14="http://schemas.microsoft.com/office/powerpoint/2010/main" val="4044676110"/>
+      </p:ext>
+    </p:extLst>
+  </p:cSld>
+  <p:clrMapOvr>
+    <a:masterClrMapping/>
+  </p:clrMapOvr>
+</p:notes>
+</file>
+
+<file path=ppt/notesSlides/notesSlide5.xml><?xml version="1.0" encoding="utf-8"?>
+<p:notes xmlns:a="http://schemas.openxmlformats.org/drawingml/2006/main" xmlns:r="http://schemas.openxmlformats.org/officeDocument/2006/relationships" xmlns:p="http://schemas.openxmlformats.org/presentationml/2006/main">
+  <p:cSld>
+    <p:spTree>
+      <p:nvGrpSpPr>
+        <p:cNvPr id="1" name=""/>
+        <p:cNvGrpSpPr/>
+        <p:nvPr/>
+      </p:nvGrpSpPr>
+      <p:grpSpPr>
+        <a:xfrm>
+          <a:off x="0" y="0"/>
+          <a:ext cx="0" cy="0"/>
+          <a:chOff x="0" y="0"/>
+          <a:chExt cx="0" cy="0"/>
+        </a:xfrm>
+      </p:grpSpPr>
+      <p:sp>
+        <p:nvSpPr>
+          <p:cNvPr id="2" name="Slide Image Placeholder 1"/>
+          <p:cNvSpPr>
+            <a:spLocks noGrp="1" noRot="1" noChangeAspect="1"/>
+          </p:cNvSpPr>
+          <p:nvPr>
+            <p:ph type="sldImg"/>
+          </p:nvPr>
+        </p:nvSpPr>
+        <p:spPr/>
+      </p:sp>
+      <p:sp>
+        <p:nvSpPr>
+          <p:cNvPr id="3" name="Notes Placeholder 2"/>
+          <p:cNvSpPr>
+            <a:spLocks noGrp="1"/>
+          </p:cNvSpPr>
+          <p:nvPr>
+            <p:ph type="body" idx="1"/>
+          </p:nvPr>
+        </p:nvSpPr>
+        <p:spPr/>
+        <p:txBody>
+          <a:bodyPr/>
+          <a:lstStyle/>
+          <a:p>
+            <a:r>
+              <a:rPr lang="en-US" dirty="0" smtClean="0"/>
+              <a:t>Use “uniform” for weights otherwise algorithm will select on distance</a:t>
+            </a:r>
+            <a:endParaRPr lang="en-US" dirty="0"/>
+          </a:p>
+        </p:txBody>
+      </p:sp>
+      <p:sp>
+        <p:nvSpPr>
+          <p:cNvPr id="4" name="Slide Number Placeholder 3"/>
+          <p:cNvSpPr>
+            <a:spLocks noGrp="1"/>
+          </p:cNvSpPr>
+          <p:nvPr>
+            <p:ph type="sldNum" sz="quarter" idx="10"/>
+          </p:nvPr>
+        </p:nvSpPr>
+        <p:spPr/>
+        <p:txBody>
+          <a:bodyPr/>
+          <a:lstStyle/>
+          <a:p>
+            <a:fld id="{89C27CB0-16DD-FA42-AE41-4B851B1D36E8}" type="slidenum">
+              <a:rPr lang="en-US" smtClean="0"/>
+              <a:t>9</a:t>
+            </a:fld>
+            <a:endParaRPr lang="en-US"/>
+          </a:p>
+        </p:txBody>
+      </p:sp>
+    </p:spTree>
+    <p:extLst>
+      <p:ext uri="{BB962C8B-B14F-4D97-AF65-F5344CB8AC3E}">
+        <p14:creationId xmlns:p14="http://schemas.microsoft.com/office/powerpoint/2010/main" val="107482099"/>
+      </p:ext>
+    </p:extLst>
+  </p:cSld>
+  <p:clrMapOvr>
+    <a:masterClrMapping/>
+  </p:clrMapOvr>
+</p:notes>
+</file>
+
+<file path=ppt/notesSlides/notesSlide6.xml><?xml version="1.0" encoding="utf-8"?>
+<p:notes xmlns:a="http://schemas.openxmlformats.org/drawingml/2006/main" xmlns:r="http://schemas.openxmlformats.org/officeDocument/2006/relationships" xmlns:p="http://schemas.openxmlformats.org/presentationml/2006/main">
+  <p:cSld>
+    <p:spTree>
+      <p:nvGrpSpPr>
+        <p:cNvPr id="1" name=""/>
+        <p:cNvGrpSpPr/>
+        <p:nvPr/>
+      </p:nvGrpSpPr>
+      <p:grpSpPr>
+        <a:xfrm>
+          <a:off x="0" y="0"/>
+          <a:ext cx="0" cy="0"/>
+          <a:chOff x="0" y="0"/>
+          <a:chExt cx="0" cy="0"/>
+        </a:xfrm>
+      </p:grpSpPr>
+      <p:sp>
+        <p:nvSpPr>
+          <p:cNvPr id="2" name="Slide Image Placeholder 1"/>
+          <p:cNvSpPr>
+            <a:spLocks noGrp="1" noRot="1" noChangeAspect="1"/>
+          </p:cNvSpPr>
+          <p:nvPr>
+            <p:ph type="sldImg"/>
+          </p:nvPr>
+        </p:nvSpPr>
+        <p:spPr/>
+      </p:sp>
+      <p:sp>
+        <p:nvSpPr>
+          <p:cNvPr id="3" name="Notes Placeholder 2"/>
+          <p:cNvSpPr>
+            <a:spLocks noGrp="1"/>
+          </p:cNvSpPr>
+          <p:nvPr>
+            <p:ph type="body" idx="1"/>
+          </p:nvPr>
+        </p:nvSpPr>
+        <p:spPr/>
+        <p:txBody>
+          <a:bodyPr/>
+          <a:lstStyle/>
+          <a:p>
+            <a:r>
+              <a:rPr lang="en-US" dirty="0" smtClean="0"/>
+              <a:t>Use at most 4 inputs, standardize</a:t>
+            </a:r>
+            <a:r>
+              <a:rPr lang="en-US" baseline="0" dirty="0" smtClean="0"/>
+              <a:t> your data</a:t>
+            </a:r>
+            <a:endParaRPr lang="en-US" dirty="0"/>
+          </a:p>
+        </p:txBody>
+      </p:sp>
+      <p:sp>
+        <p:nvSpPr>
+          <p:cNvPr id="4" name="Slide Number Placeholder 3"/>
+          <p:cNvSpPr>
+            <a:spLocks noGrp="1"/>
+          </p:cNvSpPr>
+          <p:nvPr>
+            <p:ph type="sldNum" sz="quarter" idx="10"/>
+          </p:nvPr>
+        </p:nvSpPr>
+        <p:spPr/>
+        <p:txBody>
+          <a:bodyPr/>
+          <a:lstStyle/>
+          <a:p>
+            <a:fld id="{89C27CB0-16DD-FA42-AE41-4B851B1D36E8}" type="slidenum">
+              <a:rPr lang="en-US" smtClean="0"/>
+              <a:t>10</a:t>
+            </a:fld>
+            <a:endParaRPr lang="en-US"/>
+          </a:p>
+        </p:txBody>
+      </p:sp>
+    </p:spTree>
+    <p:extLst>
+      <p:ext uri="{BB962C8B-B14F-4D97-AF65-F5344CB8AC3E}">
+        <p14:creationId xmlns:p14="http://schemas.microsoft.com/office/powerpoint/2010/main" val="1433980090"/>
+      </p:ext>
+    </p:extLst>
+  </p:cSld>
+  <p:clrMapOvr>
+    <a:masterClrMapping/>
+  </p:clrMapOvr>
+</p:notes>
+</file>
+
+<file path=ppt/notesSlides/notesSlide7.xml><?xml version="1.0" encoding="utf-8"?>
+<p:notes xmlns:a="http://schemas.openxmlformats.org/drawingml/2006/main" xmlns:r="http://schemas.openxmlformats.org/officeDocument/2006/relationships" xmlns:p="http://schemas.openxmlformats.org/presentationml/2006/main">
+  <p:cSld>
+    <p:spTree>
+      <p:nvGrpSpPr>
+        <p:cNvPr id="1" name=""/>
+        <p:cNvGrpSpPr/>
+        <p:nvPr/>
+      </p:nvGrpSpPr>
+      <p:grpSpPr>
+        <a:xfrm>
+          <a:off x="0" y="0"/>
+          <a:ext cx="0" cy="0"/>
+          <a:chOff x="0" y="0"/>
+          <a:chExt cx="0" cy="0"/>
+        </a:xfrm>
+      </p:grpSpPr>
+      <p:sp>
+        <p:nvSpPr>
+          <p:cNvPr id="2" name="Slide Image Placeholder 1"/>
+          <p:cNvSpPr>
+            <a:spLocks noGrp="1" noRot="1" noChangeAspect="1"/>
+          </p:cNvSpPr>
+          <p:nvPr>
+            <p:ph type="sldImg"/>
+          </p:nvPr>
+        </p:nvSpPr>
+        <p:spPr/>
+      </p:sp>
+      <p:sp>
+        <p:nvSpPr>
+          <p:cNvPr id="3" name="Notes Placeholder 2"/>
+          <p:cNvSpPr>
+            <a:spLocks noGrp="1"/>
+          </p:cNvSpPr>
+          <p:nvPr>
+            <p:ph type="body" idx="1"/>
+          </p:nvPr>
+        </p:nvSpPr>
+        <p:spPr/>
+        <p:txBody>
+          <a:bodyPr/>
+          <a:lstStyle/>
+          <a:p>
+            <a:r>
+              <a:rPr lang="en-US" dirty="0" err="1" smtClean="0"/>
+              <a:t>Coment</a:t>
+            </a:r>
+            <a:r>
+              <a:rPr lang="en-US" dirty="0" smtClean="0"/>
+              <a:t> Less flexible in </a:t>
+            </a:r>
+            <a:r>
+              <a:rPr lang="en-US" dirty="0" err="1" smtClean="0"/>
+              <a:t>multispace</a:t>
+            </a:r>
+            <a:r>
+              <a:rPr lang="en-US" baseline="0" dirty="0" smtClean="0"/>
+              <a:t> = a line</a:t>
+            </a:r>
+            <a:endParaRPr lang="en-US" dirty="0"/>
+          </a:p>
+        </p:txBody>
+      </p:sp>
+      <p:sp>
+        <p:nvSpPr>
+          <p:cNvPr id="4" name="Slide Number Placeholder 3"/>
+          <p:cNvSpPr>
+            <a:spLocks noGrp="1"/>
+          </p:cNvSpPr>
+          <p:nvPr>
+            <p:ph type="sldNum" sz="quarter" idx="10"/>
+          </p:nvPr>
+        </p:nvSpPr>
+        <p:spPr/>
+        <p:txBody>
+          <a:bodyPr/>
+          <a:lstStyle/>
+          <a:p>
+            <a:fld id="{89C27CB0-16DD-FA42-AE41-4B851B1D36E8}" type="slidenum">
+              <a:rPr lang="en-US" smtClean="0"/>
+              <a:t>11</a:t>
+            </a:fld>
+            <a:endParaRPr lang="en-US"/>
+          </a:p>
+        </p:txBody>
+      </p:sp>
+    </p:spTree>
+    <p:extLst>
+      <p:ext uri="{BB962C8B-B14F-4D97-AF65-F5344CB8AC3E}">
+        <p14:creationId xmlns:p14="http://schemas.microsoft.com/office/powerpoint/2010/main" val="3720498583"/>
+      </p:ext>
+    </p:extLst>
+  </p:cSld>
+  <p:clrMapOvr>
+    <a:masterClrMapping/>
+  </p:clrMapOvr>
+</p:notes>
+</file>
+
 <file path=ppt/slideLayouts/slideLayout1.xml><?xml version="1.0" encoding="utf-8"?>
 <p:sldLayout xmlns:a="http://schemas.openxmlformats.org/drawingml/2006/main" xmlns:r="http://schemas.openxmlformats.org/officeDocument/2006/relationships" xmlns:p="http://schemas.openxmlformats.org/presentationml/2006/main" type="title" preserve="1">
   <p:cSld name="Title Slide">
@@ -313,7 +1320,7 @@
           <a:p>
             <a:fld id="{E4335DF7-63C4-3C49-BD9C-4C9A2A677DFF}" type="datetimeFigureOut">
               <a:rPr lang="en-US" smtClean="0"/>
-              <a:t>2/23/16</a:t>
+              <a:t>2/24/16</a:t>
             </a:fld>
             <a:endParaRPr lang="en-US"/>
           </a:p>
@@ -478,7 +1485,7 @@
           <a:p>
             <a:fld id="{E4335DF7-63C4-3C49-BD9C-4C9A2A677DFF}" type="datetimeFigureOut">
               <a:rPr lang="en-US" smtClean="0"/>
-              <a:t>2/23/16</a:t>
+              <a:t>2/24/16</a:t>
             </a:fld>
             <a:endParaRPr lang="en-US"/>
           </a:p>
@@ -653,7 +1660,7 @@
           <a:p>
             <a:fld id="{E4335DF7-63C4-3C49-BD9C-4C9A2A677DFF}" type="datetimeFigureOut">
               <a:rPr lang="en-US" smtClean="0"/>
-              <a:t>2/23/16</a:t>
+              <a:t>2/24/16</a:t>
             </a:fld>
             <a:endParaRPr lang="en-US"/>
           </a:p>
@@ -818,7 +1825,7 @@
           <a:p>
             <a:fld id="{E4335DF7-63C4-3C49-BD9C-4C9A2A677DFF}" type="datetimeFigureOut">
               <a:rPr lang="en-US" smtClean="0"/>
-              <a:t>2/23/16</a:t>
+              <a:t>2/24/16</a:t>
             </a:fld>
             <a:endParaRPr lang="en-US"/>
           </a:p>
@@ -1059,7 +2066,7 @@
           <a:p>
             <a:fld id="{E4335DF7-63C4-3C49-BD9C-4C9A2A677DFF}" type="datetimeFigureOut">
               <a:rPr lang="en-US" smtClean="0"/>
-              <a:t>2/23/16</a:t>
+              <a:t>2/24/16</a:t>
             </a:fld>
             <a:endParaRPr lang="en-US"/>
           </a:p>
@@ -1342,7 +2349,7 @@
           <a:p>
             <a:fld id="{E4335DF7-63C4-3C49-BD9C-4C9A2A677DFF}" type="datetimeFigureOut">
               <a:rPr lang="en-US" smtClean="0"/>
-              <a:t>2/23/16</a:t>
+              <a:t>2/24/16</a:t>
             </a:fld>
             <a:endParaRPr lang="en-US"/>
           </a:p>
@@ -1771,7 +2778,7 @@
           <a:p>
             <a:fld id="{E4335DF7-63C4-3C49-BD9C-4C9A2A677DFF}" type="datetimeFigureOut">
               <a:rPr lang="en-US" smtClean="0"/>
-              <a:t>2/23/16</a:t>
+              <a:t>2/24/16</a:t>
             </a:fld>
             <a:endParaRPr lang="en-US"/>
           </a:p>
@@ -1884,7 +2891,7 @@
           <a:p>
             <a:fld id="{E4335DF7-63C4-3C49-BD9C-4C9A2A677DFF}" type="datetimeFigureOut">
               <a:rPr lang="en-US" smtClean="0"/>
-              <a:t>2/23/16</a:t>
+              <a:t>2/24/16</a:t>
             </a:fld>
             <a:endParaRPr lang="en-US"/>
           </a:p>
@@ -1974,7 +2981,7 @@
           <a:p>
             <a:fld id="{E4335DF7-63C4-3C49-BD9C-4C9A2A677DFF}" type="datetimeFigureOut">
               <a:rPr lang="en-US" smtClean="0"/>
-              <a:t>2/23/16</a:t>
+              <a:t>2/24/16</a:t>
             </a:fld>
             <a:endParaRPr lang="en-US"/>
           </a:p>
@@ -2163,7 +3170,7 @@
           <a:p>
             <a:fld id="{E4335DF7-63C4-3C49-BD9C-4C9A2A677DFF}" type="datetimeFigureOut">
               <a:rPr lang="en-US" smtClean="0"/>
-              <a:t>2/23/16</a:t>
+              <a:t>2/24/16</a:t>
             </a:fld>
             <a:endParaRPr lang="en-US"/>
           </a:p>
@@ -2481,7 +3488,7 @@
           <a:p>
             <a:fld id="{E4335DF7-63C4-3C49-BD9C-4C9A2A677DFF}" type="datetimeFigureOut">
               <a:rPr lang="en-US" smtClean="0"/>
-              <a:t>2/23/16</a:t>
+              <a:t>2/24/16</a:t>
             </a:fld>
             <a:endParaRPr lang="en-US"/>
           </a:p>
@@ -2860,7 +3867,7 @@
           <a:p>
             <a:fld id="{E4335DF7-63C4-3C49-BD9C-4C9A2A677DFF}" type="datetimeFigureOut">
               <a:rPr lang="en-US" smtClean="0"/>
-              <a:t>2/23/16</a:t>
+              <a:t>2/24/16</a:t>
             </a:fld>
             <a:endParaRPr lang="en-US"/>
           </a:p>
@@ -3207,11 +4214,7 @@
             </a:br>
             <a:r>
               <a:rPr lang="en-US" dirty="0" smtClean="0"/>
-              <a:t>K</a:t>
-            </a:r>
-            <a:r>
-              <a:rPr lang="en-US" dirty="0" smtClean="0"/>
-              <a:t>-Nearest Neighbors</a:t>
+              <a:t>K-Nearest Neighbors</a:t>
             </a:r>
             <a:endParaRPr lang="en-US" dirty="0"/>
           </a:p>
@@ -3339,6 +4342,16 @@
               <a:rPr lang="en-US" i="1" dirty="0" smtClean="0"/>
               <a:t>N</a:t>
             </a:r>
+          </a:p>
+          <a:p>
+            <a:pPr marL="868680" lvl="1" indent="-457200">
+              <a:buAutoNum type="arabicPeriod"/>
+            </a:pPr>
+            <a:r>
+              <a:rPr lang="en-US" i="1" dirty="0" smtClean="0"/>
+              <a:t>Use at most 4 inputs he says</a:t>
+            </a:r>
+            <a:endParaRPr lang="en-US" i="1" dirty="0" smtClean="0"/>
           </a:p>
           <a:p>
             <a:pPr marL="571500" indent="-457200">
@@ -3566,15 +4579,33 @@
                                   </p:childTnLst>
                                 </p:cTn>
                               </p:par>
+                            </p:childTnLst>
+                          </p:cTn>
+                        </p:par>
+                      </p:childTnLst>
+                    </p:cTn>
+                  </p:par>
+                  <p:par>
+                    <p:cTn id="15" fill="hold">
+                      <p:stCondLst>
+                        <p:cond delay="indefinite"/>
+                      </p:stCondLst>
+                      <p:childTnLst>
+                        <p:par>
+                          <p:cTn id="16" fill="hold">
+                            <p:stCondLst>
+                              <p:cond delay="0"/>
+                            </p:stCondLst>
+                            <p:childTnLst>
                               <p:par>
-                                <p:cTn id="15" presetID="1" presetClass="entr" presetSubtype="0" fill="hold" nodeType="withEffect">
+                                <p:cTn id="17" presetID="1" presetClass="entr" presetSubtype="0" fill="hold" nodeType="clickEffect">
                                   <p:stCondLst>
                                     <p:cond delay="0"/>
                                   </p:stCondLst>
                                   <p:childTnLst>
                                     <p:set>
                                       <p:cBhvr>
-                                        <p:cTn id="16" dur="1" fill="hold">
+                                        <p:cTn id="18" dur="1" fill="hold">
                                           <p:stCondLst>
                                             <p:cond delay="0"/>
                                           </p:stCondLst>
@@ -3597,26 +4628,8 @@
                                   </p:childTnLst>
                                 </p:cTn>
                               </p:par>
-                            </p:childTnLst>
-                          </p:cTn>
-                        </p:par>
-                      </p:childTnLst>
-                    </p:cTn>
-                  </p:par>
-                  <p:par>
-                    <p:cTn id="17" fill="hold">
-                      <p:stCondLst>
-                        <p:cond delay="indefinite"/>
-                      </p:stCondLst>
-                      <p:childTnLst>
-                        <p:par>
-                          <p:cTn id="18" fill="hold">
-                            <p:stCondLst>
-                              <p:cond delay="0"/>
-                            </p:stCondLst>
-                            <p:childTnLst>
                               <p:par>
-                                <p:cTn id="19" presetID="1" presetClass="entr" presetSubtype="0" fill="hold" nodeType="clickEffect">
+                                <p:cTn id="19" presetID="1" presetClass="entr" presetSubtype="0" fill="hold" nodeType="withEffect">
                                   <p:stCondLst>
                                     <p:cond delay="0"/>
                                   </p:stCondLst>
@@ -3646,15 +4659,33 @@
                                   </p:childTnLst>
                                 </p:cTn>
                               </p:par>
+                            </p:childTnLst>
+                          </p:cTn>
+                        </p:par>
+                      </p:childTnLst>
+                    </p:cTn>
+                  </p:par>
+                  <p:par>
+                    <p:cTn id="21" fill="hold">
+                      <p:stCondLst>
+                        <p:cond delay="indefinite"/>
+                      </p:stCondLst>
+                      <p:childTnLst>
+                        <p:par>
+                          <p:cTn id="22" fill="hold">
+                            <p:stCondLst>
+                              <p:cond delay="0"/>
+                            </p:stCondLst>
+                            <p:childTnLst>
                               <p:par>
-                                <p:cTn id="21" presetID="1" presetClass="entr" presetSubtype="0" fill="hold" nodeType="withEffect">
+                                <p:cTn id="23" presetID="1" presetClass="entr" presetSubtype="0" fill="hold" nodeType="clickEffect">
                                   <p:stCondLst>
                                     <p:cond delay="0"/>
                                   </p:stCondLst>
                                   <p:childTnLst>
                                     <p:set>
                                       <p:cBhvr>
-                                        <p:cTn id="22" dur="1" fill="hold">
+                                        <p:cTn id="24" dur="1" fill="hold">
                                           <p:stCondLst>
                                             <p:cond delay="0"/>
                                           </p:stCondLst>
@@ -3663,6 +4694,37 @@
                                           <p:spTgt spid="3">
                                             <p:txEl>
                                               <p:pRg st="5" end="5"/>
+                                            </p:txEl>
+                                          </p:spTgt>
+                                        </p:tgtEl>
+                                        <p:attrNameLst>
+                                          <p:attrName>style.visibility</p:attrName>
+                                        </p:attrNameLst>
+                                      </p:cBhvr>
+                                      <p:to>
+                                        <p:strVal val="visible"/>
+                                      </p:to>
+                                    </p:set>
+                                  </p:childTnLst>
+                                </p:cTn>
+                              </p:par>
+                              <p:par>
+                                <p:cTn id="25" presetID="1" presetClass="entr" presetSubtype="0" fill="hold" nodeType="withEffect">
+                                  <p:stCondLst>
+                                    <p:cond delay="0"/>
+                                  </p:stCondLst>
+                                  <p:childTnLst>
+                                    <p:set>
+                                      <p:cBhvr>
+                                        <p:cTn id="26" dur="1" fill="hold">
+                                          <p:stCondLst>
+                                            <p:cond delay="0"/>
+                                          </p:stCondLst>
+                                        </p:cTn>
+                                        <p:tgtEl>
+                                          <p:spTgt spid="3">
+                                            <p:txEl>
+                                              <p:pRg st="6" end="6"/>
                                             </p:txEl>
                                           </p:spTgt>
                                         </p:tgtEl>
@@ -3735,15 +4797,27 @@
             <p:ph type="title"/>
           </p:nvPr>
         </p:nvSpPr>
-        <p:spPr/>
+        <p:spPr>
+          <a:xfrm>
+            <a:off x="457200" y="274637"/>
+            <a:ext cx="7620000" cy="2248805"/>
+          </a:xfrm>
+        </p:spPr>
         <p:txBody>
           <a:bodyPr/>
           <a:lstStyle/>
           <a:p>
             <a:r>
               <a:rPr lang="en-US" dirty="0" smtClean="0"/>
-              <a:t>K-Nearest Neighbor Algorithm for Regression</a:t>
-            </a:r>
+              <a:t>K-Nearest Neighbor Algorithm for </a:t>
+            </a:r>
+            <a:r>
+              <a:rPr lang="en-US" dirty="0" smtClean="0"/>
+              <a:t>Regression to get a quantitative result</a:t>
+            </a:r>
+            <a:br>
+              <a:rPr lang="en-US" dirty="0" smtClean="0"/>
+            </a:br>
             <a:endParaRPr lang="en-US" dirty="0"/>
           </a:p>
         </p:txBody>
@@ -3758,7 +4832,12 @@
             <p:ph idx="1"/>
           </p:nvPr>
         </p:nvSpPr>
-        <p:spPr/>
+        <p:spPr>
+          <a:xfrm>
+            <a:off x="457200" y="2523442"/>
+            <a:ext cx="7620000" cy="3877357"/>
+          </a:xfrm>
+        </p:spPr>
         <p:txBody>
           <a:bodyPr/>
           <a:lstStyle/>
@@ -5431,7 +6510,7 @@
           <p:nvPr/>
         </p:nvPicPr>
         <p:blipFill>
-          <a:blip r:embed="rId2">
+          <a:blip r:embed="rId3">
             <a:extLst>
               <a:ext uri="{28A0092B-C50C-407E-A947-70E740481C1C}">
                 <a14:useLocalDpi xmlns:a14="http://schemas.microsoft.com/office/drawing/2010/main" val="0"/>
@@ -5461,7 +6540,7 @@
           <p:nvPr/>
         </p:nvPicPr>
         <p:blipFill>
-          <a:blip r:embed="rId3">
+          <a:blip r:embed="rId4">
             <a:extLst>
               <a:ext uri="{28A0092B-C50C-407E-A947-70E740481C1C}">
                 <a14:useLocalDpi xmlns:a14="http://schemas.microsoft.com/office/drawing/2010/main" val="0"/>
@@ -6006,7 +7085,7 @@
           </p:nvPr>
         </p:nvPicPr>
         <p:blipFill>
-          <a:blip r:embed="rId2">
+          <a:blip r:embed="rId3">
             <a:extLst>
               <a:ext uri="{28A0092B-C50C-407E-A947-70E740481C1C}">
                 <a14:useLocalDpi xmlns:a14="http://schemas.microsoft.com/office/drawing/2010/main" val="0"/>
@@ -6570,4 +7649,324 @@
   <a:objectDefaults/>
   <a:extraClrSchemeLst/>
 </a:theme>
+</file>
+
+<file path=ppt/theme/theme2.xml><?xml version="1.0" encoding="utf-8"?>
+<a:theme xmlns:a="http://schemas.openxmlformats.org/drawingml/2006/main" name="Office Theme">
+  <a:themeElements>
+    <a:clrScheme name="Office">
+      <a:dk1>
+        <a:sysClr val="windowText" lastClr="000000"/>
+      </a:dk1>
+      <a:lt1>
+        <a:sysClr val="window" lastClr="FFFFFF"/>
+      </a:lt1>
+      <a:dk2>
+        <a:srgbClr val="1F497D"/>
+      </a:dk2>
+      <a:lt2>
+        <a:srgbClr val="EEECE1"/>
+      </a:lt2>
+      <a:accent1>
+        <a:srgbClr val="4F81BD"/>
+      </a:accent1>
+      <a:accent2>
+        <a:srgbClr val="C0504D"/>
+      </a:accent2>
+      <a:accent3>
+        <a:srgbClr val="9BBB59"/>
+      </a:accent3>
+      <a:accent4>
+        <a:srgbClr val="8064A2"/>
+      </a:accent4>
+      <a:accent5>
+        <a:srgbClr val="4BACC6"/>
+      </a:accent5>
+      <a:accent6>
+        <a:srgbClr val="F79646"/>
+      </a:accent6>
+      <a:hlink>
+        <a:srgbClr val="0000FF"/>
+      </a:hlink>
+      <a:folHlink>
+        <a:srgbClr val="800080"/>
+      </a:folHlink>
+    </a:clrScheme>
+    <a:fontScheme name="Office">
+      <a:majorFont>
+        <a:latin typeface="Calibri"/>
+        <a:ea typeface=""/>
+        <a:cs typeface=""/>
+        <a:font script="Jpan" typeface="ＭＳ Ｐゴシック"/>
+        <a:font script="Hang" typeface="맑은 고딕"/>
+        <a:font script="Hans" typeface="宋体"/>
+        <a:font script="Hant" typeface="新細明體"/>
+        <a:font script="Arab" typeface="Times New Roman"/>
+        <a:font script="Hebr" typeface="Times New Roman"/>
+        <a:font script="Thai" typeface="Angsana New"/>
+        <a:font script="Ethi" typeface="Nyala"/>
+        <a:font script="Beng" typeface="Vrinda"/>
+        <a:font script="Gujr" typeface="Shruti"/>
+        <a:font script="Khmr" typeface="MoolBoran"/>
+        <a:font script="Knda" typeface="Tunga"/>
+        <a:font script="Guru" typeface="Raavi"/>
+        <a:font script="Cans" typeface="Euphemia"/>
+        <a:font script="Cher" typeface="Plantagenet Cherokee"/>
+        <a:font script="Yiii" typeface="Microsoft Yi Baiti"/>
+        <a:font script="Tibt" typeface="Microsoft Himalaya"/>
+        <a:font script="Thaa" typeface="MV Boli"/>
+        <a:font script="Deva" typeface="Mangal"/>
+        <a:font script="Telu" typeface="Gautami"/>
+        <a:font script="Taml" typeface="Latha"/>
+        <a:font script="Syrc" typeface="Estrangelo Edessa"/>
+        <a:font script="Orya" typeface="Kalinga"/>
+        <a:font script="Mlym" typeface="Kartika"/>
+        <a:font script="Laoo" typeface="DokChampa"/>
+        <a:font script="Sinh" typeface="Iskoola Pota"/>
+        <a:font script="Mong" typeface="Mongolian Baiti"/>
+        <a:font script="Viet" typeface="Times New Roman"/>
+        <a:font script="Uigh" typeface="Microsoft Uighur"/>
+        <a:font script="Geor" typeface="Sylfaen"/>
+      </a:majorFont>
+      <a:minorFont>
+        <a:latin typeface="Calibri"/>
+        <a:ea typeface=""/>
+        <a:cs typeface=""/>
+        <a:font script="Jpan" typeface="ＭＳ Ｐゴシック"/>
+        <a:font script="Hang" typeface="맑은 고딕"/>
+        <a:font script="Hans" typeface="宋体"/>
+        <a:font script="Hant" typeface="新細明體"/>
+        <a:font script="Arab" typeface="Arial"/>
+        <a:font script="Hebr" typeface="Arial"/>
+        <a:font script="Thai" typeface="Cordia New"/>
+        <a:font script="Ethi" typeface="Nyala"/>
+        <a:font script="Beng" typeface="Vrinda"/>
+        <a:font script="Gujr" typeface="Shruti"/>
+        <a:font script="Khmr" typeface="DaunPenh"/>
+        <a:font script="Knda" typeface="Tunga"/>
+        <a:font script="Guru" typeface="Raavi"/>
+        <a:font script="Cans" typeface="Euphemia"/>
+        <a:font script="Cher" typeface="Plantagenet Cherokee"/>
+        <a:font script="Yiii" typeface="Microsoft Yi Baiti"/>
+        <a:font script="Tibt" typeface="Microsoft Himalaya"/>
+        <a:font script="Thaa" typeface="MV Boli"/>
+        <a:font script="Deva" typeface="Mangal"/>
+        <a:font script="Telu" typeface="Gautami"/>
+        <a:font script="Taml" typeface="Latha"/>
+        <a:font script="Syrc" typeface="Estrangelo Edessa"/>
+        <a:font script="Orya" typeface="Kalinga"/>
+        <a:font script="Mlym" typeface="Kartika"/>
+        <a:font script="Laoo" typeface="DokChampa"/>
+        <a:font script="Sinh" typeface="Iskoola Pota"/>
+        <a:font script="Mong" typeface="Mongolian Baiti"/>
+        <a:font script="Viet" typeface="Arial"/>
+        <a:font script="Uigh" typeface="Microsoft Uighur"/>
+        <a:font script="Geor" typeface="Sylfaen"/>
+      </a:minorFont>
+    </a:fontScheme>
+    <a:fmtScheme name="Office">
+      <a:fillStyleLst>
+        <a:solidFill>
+          <a:schemeClr val="phClr"/>
+        </a:solidFill>
+        <a:gradFill rotWithShape="1">
+          <a:gsLst>
+            <a:gs pos="0">
+              <a:schemeClr val="phClr">
+                <a:tint val="50000"/>
+                <a:satMod val="300000"/>
+              </a:schemeClr>
+            </a:gs>
+            <a:gs pos="35000">
+              <a:schemeClr val="phClr">
+                <a:tint val="37000"/>
+                <a:satMod val="300000"/>
+              </a:schemeClr>
+            </a:gs>
+            <a:gs pos="100000">
+              <a:schemeClr val="phClr">
+                <a:tint val="15000"/>
+                <a:satMod val="350000"/>
+              </a:schemeClr>
+            </a:gs>
+          </a:gsLst>
+          <a:lin ang="16200000" scaled="1"/>
+        </a:gradFill>
+        <a:gradFill rotWithShape="1">
+          <a:gsLst>
+            <a:gs pos="0">
+              <a:schemeClr val="phClr">
+                <a:tint val="100000"/>
+                <a:shade val="100000"/>
+                <a:satMod val="130000"/>
+              </a:schemeClr>
+            </a:gs>
+            <a:gs pos="100000">
+              <a:schemeClr val="phClr">
+                <a:tint val="50000"/>
+                <a:shade val="100000"/>
+                <a:satMod val="350000"/>
+              </a:schemeClr>
+            </a:gs>
+          </a:gsLst>
+          <a:lin ang="16200000" scaled="0"/>
+        </a:gradFill>
+      </a:fillStyleLst>
+      <a:lnStyleLst>
+        <a:ln w="9525" cap="flat" cmpd="sng" algn="ctr">
+          <a:solidFill>
+            <a:schemeClr val="phClr">
+              <a:shade val="95000"/>
+              <a:satMod val="105000"/>
+            </a:schemeClr>
+          </a:solidFill>
+          <a:prstDash val="solid"/>
+        </a:ln>
+        <a:ln w="25400" cap="flat" cmpd="sng" algn="ctr">
+          <a:solidFill>
+            <a:schemeClr val="phClr"/>
+          </a:solidFill>
+          <a:prstDash val="solid"/>
+        </a:ln>
+        <a:ln w="38100" cap="flat" cmpd="sng" algn="ctr">
+          <a:solidFill>
+            <a:schemeClr val="phClr"/>
+          </a:solidFill>
+          <a:prstDash val="solid"/>
+        </a:ln>
+      </a:lnStyleLst>
+      <a:effectStyleLst>
+        <a:effectStyle>
+          <a:effectLst>
+            <a:outerShdw blurRad="40000" dist="20000" dir="5400000" rotWithShape="0">
+              <a:srgbClr val="000000">
+                <a:alpha val="38000"/>
+              </a:srgbClr>
+            </a:outerShdw>
+          </a:effectLst>
+        </a:effectStyle>
+        <a:effectStyle>
+          <a:effectLst>
+            <a:outerShdw blurRad="40000" dist="23000" dir="5400000" rotWithShape="0">
+              <a:srgbClr val="000000">
+                <a:alpha val="35000"/>
+              </a:srgbClr>
+            </a:outerShdw>
+          </a:effectLst>
+        </a:effectStyle>
+        <a:effectStyle>
+          <a:effectLst>
+            <a:outerShdw blurRad="40000" dist="23000" dir="5400000" rotWithShape="0">
+              <a:srgbClr val="000000">
+                <a:alpha val="35000"/>
+              </a:srgbClr>
+            </a:outerShdw>
+          </a:effectLst>
+          <a:scene3d>
+            <a:camera prst="orthographicFront">
+              <a:rot lat="0" lon="0" rev="0"/>
+            </a:camera>
+            <a:lightRig rig="threePt" dir="t">
+              <a:rot lat="0" lon="0" rev="1200000"/>
+            </a:lightRig>
+          </a:scene3d>
+          <a:sp3d>
+            <a:bevelT w="63500" h="25400"/>
+          </a:sp3d>
+        </a:effectStyle>
+      </a:effectStyleLst>
+      <a:bgFillStyleLst>
+        <a:solidFill>
+          <a:schemeClr val="phClr"/>
+        </a:solidFill>
+        <a:gradFill rotWithShape="1">
+          <a:gsLst>
+            <a:gs pos="0">
+              <a:schemeClr val="phClr">
+                <a:tint val="40000"/>
+                <a:satMod val="350000"/>
+              </a:schemeClr>
+            </a:gs>
+            <a:gs pos="40000">
+              <a:schemeClr val="phClr">
+                <a:tint val="45000"/>
+                <a:shade val="99000"/>
+                <a:satMod val="350000"/>
+              </a:schemeClr>
+            </a:gs>
+            <a:gs pos="100000">
+              <a:schemeClr val="phClr">
+                <a:shade val="20000"/>
+                <a:satMod val="255000"/>
+              </a:schemeClr>
+            </a:gs>
+          </a:gsLst>
+          <a:path path="circle">
+            <a:fillToRect l="50000" t="-80000" r="50000" b="180000"/>
+          </a:path>
+        </a:gradFill>
+        <a:gradFill rotWithShape="1">
+          <a:gsLst>
+            <a:gs pos="0">
+              <a:schemeClr val="phClr">
+                <a:tint val="80000"/>
+                <a:satMod val="300000"/>
+              </a:schemeClr>
+            </a:gs>
+            <a:gs pos="100000">
+              <a:schemeClr val="phClr">
+                <a:shade val="30000"/>
+                <a:satMod val="200000"/>
+              </a:schemeClr>
+            </a:gs>
+          </a:gsLst>
+          <a:path path="circle">
+            <a:fillToRect l="50000" t="50000" r="50000" b="50000"/>
+          </a:path>
+        </a:gradFill>
+      </a:bgFillStyleLst>
+    </a:fmtScheme>
+  </a:themeElements>
+  <a:objectDefaults>
+    <a:spDef>
+      <a:spPr/>
+      <a:bodyPr/>
+      <a:lstStyle/>
+      <a:style>
+        <a:lnRef idx="1">
+          <a:schemeClr val="accent1"/>
+        </a:lnRef>
+        <a:fillRef idx="3">
+          <a:schemeClr val="accent1"/>
+        </a:fillRef>
+        <a:effectRef idx="2">
+          <a:schemeClr val="accent1"/>
+        </a:effectRef>
+        <a:fontRef idx="minor">
+          <a:schemeClr val="lt1"/>
+        </a:fontRef>
+      </a:style>
+    </a:spDef>
+    <a:lnDef>
+      <a:spPr/>
+      <a:bodyPr/>
+      <a:lstStyle/>
+      <a:style>
+        <a:lnRef idx="2">
+          <a:schemeClr val="accent1"/>
+        </a:lnRef>
+        <a:fillRef idx="0">
+          <a:schemeClr val="accent1"/>
+        </a:fillRef>
+        <a:effectRef idx="1">
+          <a:schemeClr val="accent1"/>
+        </a:effectRef>
+        <a:fontRef idx="minor">
+          <a:schemeClr val="tx1"/>
+        </a:fontRef>
+      </a:style>
+    </a:lnDef>
+  </a:objectDefaults>
+  <a:extraClrSchemeLst/>
+</a:theme>
 </file>